--- a/Pangeo.pptx
+++ b/Pangeo.pptx
@@ -5659,11 +5659,7 @@
           <a:p>
             <a:r>
               <a:rPr lang="en-NZ" dirty="0"/>
-              <a:t>… python example to compute </a:t>
-            </a:r>
-            <a:r>
-              <a:rPr lang="en-NZ" dirty="0" err="1"/>
-              <a:t>streamfunction</a:t>
+              <a:t>… python example</a:t>
             </a:r>
             <a:endParaRPr lang="en-NZ" dirty="0">
               <a:solidFill>

--- a/Pangeo.pptx
+++ b/Pangeo.pptx
@@ -217,7 +217,7 @@
           <a:p>
             <a:fld id="{BE384BF0-F03A-482A-83CD-C7B3780FB70B}" type="datetimeFigureOut">
               <a:rPr lang="en-NZ" smtClean="0"/>
-              <a:t>20/09/2021</a:t>
+              <a:t>22/09/2021</a:t>
             </a:fld>
             <a:endParaRPr lang="en-NZ" dirty="0"/>
           </a:p>
@@ -382,7 +382,7 @@
           <a:p>
             <a:fld id="{1B696C96-BECF-499C-AAA9-85A80BB1F7EE}" type="datetimeFigureOut">
               <a:rPr lang="en-NZ" smtClean="0"/>
-              <a:t>20/09/2021</a:t>
+              <a:t>22/09/2021</a:t>
             </a:fld>
             <a:endParaRPr lang="en-NZ" dirty="0"/>
           </a:p>
@@ -3841,10 +3841,10 @@
       </p:sp>
       <p:pic>
         <p:nvPicPr>
-          <p:cNvPr id="4" name="Picture 2" descr="GitHub - pangeo-data/pangeo: Pangeo website + discussion of general issues  related to the project.">
-            <a:extLst>
-              <a:ext uri="{FF2B5EF4-FFF2-40B4-BE49-F238E27FC236}">
-                <a16:creationId xmlns:a16="http://schemas.microsoft.com/office/drawing/2014/main" id="{FAD8E618-63A5-49FA-A19D-D23614C0E2BB}"/>
+          <p:cNvPr id="5" name="Picture 2" descr="Pangeo Data Analysis Platform at CNES and Astronomical Use Cases :: ADASS  2020 :: pretalx">
+            <a:extLst>
+              <a:ext uri="{FF2B5EF4-FFF2-40B4-BE49-F238E27FC236}">
+                <a16:creationId xmlns:a16="http://schemas.microsoft.com/office/drawing/2014/main" id="{5BECF257-16FC-46A1-B862-67BD47D2A2A3}"/>
               </a:ext>
             </a:extLst>
           </p:cNvPr>
@@ -3853,23 +3853,21 @@
           </p:cNvPicPr>
           <p:nvPr/>
         </p:nvPicPr>
-        <p:blipFill>
-          <a:blip r:embed="rId2">
+        <p:blipFill rotWithShape="1">
+          <a:blip r:embed="rId2" cstate="print">
             <a:extLst>
               <a:ext uri="{28A0092B-C50C-407E-A947-70E740481C1C}">
                 <a14:useLocalDpi xmlns:a14="http://schemas.microsoft.com/office/drawing/2010/main" val="0"/>
               </a:ext>
             </a:extLst>
           </a:blip>
-          <a:srcRect/>
-          <a:stretch>
-            <a:fillRect/>
-          </a:stretch>
+          <a:srcRect l="36056" t="22797" r="26125" b="15972"/>
+          <a:stretch/>
         </p:blipFill>
         <p:spPr bwMode="auto">
           <a:xfrm>
-            <a:off x="490342" y="3429000"/>
-            <a:ext cx="2867025" cy="1590675"/>
+            <a:off x="1319842" y="3292442"/>
+            <a:ext cx="1889186" cy="1854037"/>
           </a:xfrm>
           <a:prstGeom prst="rect">
             <a:avLst/>
@@ -5944,6 +5942,87 @@
           </a:p>
         </p:txBody>
       </p:sp>
+      <p:sp>
+        <p:nvSpPr>
+          <p:cNvPr id="4" name="Rectangle 3">
+            <a:extLst>
+              <a:ext uri="{FF2B5EF4-FFF2-40B4-BE49-F238E27FC236}">
+                <a16:creationId xmlns:a16="http://schemas.microsoft.com/office/drawing/2014/main" id="{6CD0E21E-249A-4817-BDA2-8C95593E1AB6}"/>
+              </a:ext>
+            </a:extLst>
+          </p:cNvPr>
+          <p:cNvSpPr/>
+          <p:nvPr/>
+        </p:nvSpPr>
+        <p:spPr>
+          <a:xfrm>
+            <a:off x="1992686" y="5054275"/>
+            <a:ext cx="5063759" cy="369332"/>
+          </a:xfrm>
+          <a:prstGeom prst="rect">
+            <a:avLst/>
+          </a:prstGeom>
+        </p:spPr>
+        <p:txBody>
+          <a:bodyPr wrap="none">
+            <a:spAutoFit/>
+          </a:bodyPr>
+          <a:lstStyle/>
+          <a:p>
+            <a:r>
+              <a:rPr lang="en-NZ" dirty="0"/>
+              <a:t>https://github.com/erikbehrens/pangeo_tutorial.git</a:t>
+            </a:r>
+          </a:p>
+        </p:txBody>
+      </p:sp>
+      <p:pic>
+        <p:nvPicPr>
+          <p:cNvPr id="1026" name="Picture 2">
+            <a:extLst>
+              <a:ext uri="{FF2B5EF4-FFF2-40B4-BE49-F238E27FC236}">
+                <a16:creationId xmlns:a16="http://schemas.microsoft.com/office/drawing/2014/main" id="{AC92B7E4-A29B-4363-858F-0F7E21FDC8FF}"/>
+              </a:ext>
+            </a:extLst>
+          </p:cNvPr>
+          <p:cNvPicPr>
+            <a:picLocks noChangeAspect="1" noChangeArrowheads="1"/>
+          </p:cNvPicPr>
+          <p:nvPr/>
+        </p:nvPicPr>
+        <p:blipFill>
+          <a:blip r:embed="rId2">
+            <a:extLst>
+              <a:ext uri="{28A0092B-C50C-407E-A947-70E740481C1C}">
+                <a14:useLocalDpi xmlns:a14="http://schemas.microsoft.com/office/drawing/2010/main" val="0"/>
+              </a:ext>
+            </a:extLst>
+          </a:blip>
+          <a:srcRect/>
+          <a:stretch>
+            <a:fillRect/>
+          </a:stretch>
+        </p:blipFill>
+        <p:spPr bwMode="auto">
+          <a:xfrm>
+            <a:off x="603833" y="4290132"/>
+            <a:ext cx="1133475" cy="1133475"/>
+          </a:xfrm>
+          <a:prstGeom prst="rect">
+            <a:avLst/>
+          </a:prstGeom>
+          <a:noFill/>
+          <a:extLst>
+            <a:ext uri="{909E8E84-426E-40DD-AFC4-6F175D3DCCD1}">
+              <a14:hiddenFill xmlns:a14="http://schemas.microsoft.com/office/drawing/2010/main">
+                <a:solidFill>
+                  <a:srgbClr val="FFFFFF"/>
+                </a:solidFill>
+              </a14:hiddenFill>
+            </a:ext>
+          </a:extLst>
+        </p:spPr>
+      </p:pic>
     </p:spTree>
     <p:extLst>
       <p:ext uri="{BB962C8B-B14F-4D97-AF65-F5344CB8AC3E}">
@@ -9172,8 +9251,8 @@
           </a:prstGeom>
         </p:spPr>
       </p:pic>
-      <mc:AlternateContent xmlns:mc="http://schemas.openxmlformats.org/markup-compatibility/2006">
-        <mc:Choice xmlns:a14="http://schemas.microsoft.com/office/drawing/2010/main" Requires="a14">
+      <mc:AlternateContent xmlns:mc="http://schemas.openxmlformats.org/markup-compatibility/2006" xmlns:a14="http://schemas.microsoft.com/office/drawing/2010/main">
+        <mc:Choice Requires="a14">
           <p:sp>
             <p:nvSpPr>
               <p:cNvPr id="42" name="TextBox 41">
@@ -9202,6 +9281,7 @@
               </a:bodyPr>
               <a:lstStyle/>
               <a:p>
+                <a:pPr/>
                 <a14:m>
                   <m:oMathPara xmlns:m="http://schemas.openxmlformats.org/officeDocument/2006/math">
                     <m:oMathParaPr>
@@ -9263,7 +9343,7 @@
             </p:txBody>
           </p:sp>
         </mc:Choice>
-        <mc:Fallback>
+        <mc:Fallback xmlns="">
           <p:sp>
             <p:nvSpPr>
               <p:cNvPr id="42" name="TextBox 41">
@@ -11195,21 +11275,6 @@
 </file>
 
 <file path=customXml/item1.xml><?xml version="1.0" encoding="utf-8"?>
-<p:properties xmlns:p="http://schemas.microsoft.com/office/2006/metadata/properties" xmlns:xsi="http://www.w3.org/2001/XMLSchema-instance" xmlns:pc="http://schemas.microsoft.com/office/infopath/2007/PartnerControls">
-  <documentManagement/>
-</p:properties>
-</file>
-
-<file path=customXml/item2.xml><?xml version="1.0" encoding="utf-8"?>
-<?mso-contentType ?>
-<FormTemplates xmlns="http://schemas.microsoft.com/sharepoint/v3/contenttype/forms">
-  <Display>DocumentLibraryForm</Display>
-  <Edit>DocumentLibraryForm</Edit>
-  <New>DocumentLibraryForm</New>
-</FormTemplates>
-</file>
-
-<file path=customXml/item3.xml><?xml version="1.0" encoding="utf-8"?>
 <ct:contentTypeSchema xmlns:ct="http://schemas.microsoft.com/office/2006/metadata/contentType" xmlns:ma="http://schemas.microsoft.com/office/2006/metadata/properties/metaAttributes" ct:_="" ma:_="" ma:contentTypeName="Document" ma:contentTypeID="0x0101005FE645E44DF4C347A076E5154A1E1A44" ma:contentTypeVersion="13" ma:contentTypeDescription="Create a new document." ma:contentTypeScope="" ma:versionID="fed3924ebad4b1980a48696ea5626475">
   <xsd:schema xmlns:xsd="http://www.w3.org/2001/XMLSchema" xmlns:xs="http://www.w3.org/2001/XMLSchema" xmlns:p="http://schemas.microsoft.com/office/2006/metadata/properties" xmlns:ns3="0e9b77c3-686e-41f8-8658-848585ae3dd1" xmlns:ns4="7cc5065d-f71a-4a84-87cf-13f6ecd6fd27" targetNamespace="http://schemas.microsoft.com/office/2006/metadata/properties" ma:root="true" ma:fieldsID="17712d7b2787ccbd2e536e461d73e683" ns3:_="" ns4:_="">
     <xsd:import namespace="0e9b77c3-686e-41f8-8658-848585ae3dd1"/>
@@ -11432,7 +11497,41 @@
 </ct:contentTypeSchema>
 </file>
 
+<file path=customXml/item2.xml><?xml version="1.0" encoding="utf-8"?>
+<p:properties xmlns:p="http://schemas.microsoft.com/office/2006/metadata/properties" xmlns:xsi="http://www.w3.org/2001/XMLSchema-instance" xmlns:pc="http://schemas.microsoft.com/office/infopath/2007/PartnerControls">
+  <documentManagement/>
+</p:properties>
+</file>
+
+<file path=customXml/item3.xml><?xml version="1.0" encoding="utf-8"?>
+<?mso-contentType ?>
+<FormTemplates xmlns="http://schemas.microsoft.com/sharepoint/v3/contenttype/forms">
+  <Display>DocumentLibraryForm</Display>
+  <Edit>DocumentLibraryForm</Edit>
+  <New>DocumentLibraryForm</New>
+</FormTemplates>
+</file>
+
 <file path=customXml/itemProps1.xml><?xml version="1.0" encoding="utf-8"?>
+<ds:datastoreItem xmlns:ds="http://schemas.openxmlformats.org/officeDocument/2006/customXml" ds:itemID="{1B991322-6CA4-49CA-A5EB-C0B5EF00A0DC}">
+  <ds:schemaRefs>
+    <ds:schemaRef ds:uri="http://schemas.microsoft.com/office/2006/metadata/contentType"/>
+    <ds:schemaRef ds:uri="http://schemas.microsoft.com/office/2006/metadata/properties/metaAttributes"/>
+    <ds:schemaRef ds:uri="http://www.w3.org/2001/XMLSchema"/>
+    <ds:schemaRef ds:uri="http://schemas.microsoft.com/office/2006/metadata/properties"/>
+    <ds:schemaRef ds:uri="0e9b77c3-686e-41f8-8658-848585ae3dd1"/>
+    <ds:schemaRef ds:uri="7cc5065d-f71a-4a84-87cf-13f6ecd6fd27"/>
+    <ds:schemaRef ds:uri="http://schemas.microsoft.com/office/2006/documentManagement/types"/>
+    <ds:schemaRef ds:uri="http://schemas.microsoft.com/office/infopath/2007/PartnerControls"/>
+    <ds:schemaRef ds:uri="http://schemas.openxmlformats.org/package/2006/metadata/core-properties"/>
+    <ds:schemaRef ds:uri="http://purl.org/dc/elements/1.1/"/>
+    <ds:schemaRef ds:uri="http://purl.org/dc/terms/"/>
+    <ds:schemaRef ds:uri="http://schemas.microsoft.com/internal/obd"/>
+  </ds:schemaRefs>
+</ds:datastoreItem>
+</file>
+
+<file path=customXml/itemProps2.xml><?xml version="1.0" encoding="utf-8"?>
 <ds:datastoreItem xmlns:ds="http://schemas.openxmlformats.org/officeDocument/2006/customXml" ds:itemID="{7A317C76-B0BC-4DAA-9FEE-2F6EC759F733}">
   <ds:schemaRefs>
     <ds:schemaRef ds:uri="http://purl.org/dc/terms/"/>
@@ -11449,29 +11548,10 @@
 </ds:datastoreItem>
 </file>
 
-<file path=customXml/itemProps2.xml><?xml version="1.0" encoding="utf-8"?>
+<file path=customXml/itemProps3.xml><?xml version="1.0" encoding="utf-8"?>
 <ds:datastoreItem xmlns:ds="http://schemas.openxmlformats.org/officeDocument/2006/customXml" ds:itemID="{37E36611-773A-4920-89A3-001E8534275A}">
   <ds:schemaRefs>
     <ds:schemaRef ds:uri="http://schemas.microsoft.com/sharepoint/v3/contenttype/forms"/>
   </ds:schemaRefs>
 </ds:datastoreItem>
-</file>
-
-<file path=customXml/itemProps3.xml><?xml version="1.0" encoding="utf-8"?>
-<ds:datastoreItem xmlns:ds="http://schemas.openxmlformats.org/officeDocument/2006/customXml" ds:itemID="{1B991322-6CA4-49CA-A5EB-C0B5EF00A0DC}">
-  <ds:schemaRefs>
-    <ds:schemaRef ds:uri="http://schemas.microsoft.com/office/2006/metadata/contentType"/>
-    <ds:schemaRef ds:uri="http://schemas.microsoft.com/office/2006/metadata/properties/metaAttributes"/>
-    <ds:schemaRef ds:uri="http://www.w3.org/2001/XMLSchema"/>
-    <ds:schemaRef ds:uri="http://schemas.microsoft.com/office/2006/metadata/properties"/>
-    <ds:schemaRef ds:uri="0e9b77c3-686e-41f8-8658-848585ae3dd1"/>
-    <ds:schemaRef ds:uri="7cc5065d-f71a-4a84-87cf-13f6ecd6fd27"/>
-    <ds:schemaRef ds:uri="http://schemas.microsoft.com/office/2006/documentManagement/types"/>
-    <ds:schemaRef ds:uri="http://schemas.microsoft.com/office/infopath/2007/PartnerControls"/>
-    <ds:schemaRef ds:uri="http://schemas.openxmlformats.org/package/2006/metadata/core-properties"/>
-    <ds:schemaRef ds:uri="http://purl.org/dc/elements/1.1/"/>
-    <ds:schemaRef ds:uri="http://purl.org/dc/terms/"/>
-    <ds:schemaRef ds:uri="http://schemas.microsoft.com/internal/obd"/>
-  </ds:schemaRefs>
-</ds:datastoreItem>
 </file>
--- a/Pangeo.pptx
+++ b/Pangeo.pptx
@@ -217,7 +217,7 @@
           <a:p>
             <a:fld id="{BE384BF0-F03A-482A-83CD-C7B3780FB70B}" type="datetimeFigureOut">
               <a:rPr lang="en-NZ" smtClean="0"/>
-              <a:t>22/09/2021</a:t>
+              <a:t>8/02/2022</a:t>
             </a:fld>
             <a:endParaRPr lang="en-NZ" dirty="0"/>
           </a:p>
@@ -382,7 +382,7 @@
           <a:p>
             <a:fld id="{1B696C96-BECF-499C-AAA9-85A80BB1F7EE}" type="datetimeFigureOut">
               <a:rPr lang="en-NZ" smtClean="0"/>
-              <a:t>22/09/2021</a:t>
+              <a:t>8/02/2022</a:t>
             </a:fld>
             <a:endParaRPr lang="en-NZ" dirty="0"/>
           </a:p>
@@ -4372,6 +4372,26 @@
               </a:rPr>
               <a:t>dask-labextension</a:t>
             </a:r>
+            <a:r>
+              <a:rPr lang="en-US" altLang="en-US" dirty="0">
+                <a:solidFill>
+                  <a:schemeClr val="bg1"/>
+                </a:solidFill>
+              </a:rPr>
+              <a:t> </a:t>
+            </a:r>
+            <a:r>
+              <a:rPr lang="en-NZ" dirty="0" err="1"/>
+              <a:t>gcsfs</a:t>
+            </a:r>
+            <a:r>
+              <a:rPr lang="en-NZ" dirty="0"/>
+              <a:t> intake intake-</a:t>
+            </a:r>
+            <a:r>
+              <a:rPr lang="en-NZ" dirty="0" err="1"/>
+              <a:t>esm</a:t>
+            </a:r>
             <a:endParaRPr lang="en-NZ" dirty="0">
               <a:solidFill>
                 <a:schemeClr val="bg1"/>
@@ -4616,7 +4636,7 @@
         </p:nvSpPr>
         <p:spPr>
           <a:xfrm>
-            <a:off x="4640022" y="1209612"/>
+            <a:off x="4640022" y="1192490"/>
             <a:ext cx="5519956" cy="1264051"/>
           </a:xfrm>
           <a:prstGeom prst="roundRect">
